--- a/Presentation/BrandtEric_ECE901_FinalPresentation.pptx
+++ b/Presentation/BrandtEric_ECE901_FinalPresentation.pptx
@@ -656,6 +656,109 @@
     </a:lvl9pPr>
   </p:notesStyle>
 </p:notesMaster>
+</file>
+
+<file path=ppt/notesSlides/notesSlide1.xml><?xml version="1.0" encoding="utf-8"?>
+<p:notes xmlns:a="http://schemas.openxmlformats.org/drawingml/2006/main" xmlns:r="http://schemas.openxmlformats.org/officeDocument/2006/relationships" xmlns:p="http://schemas.openxmlformats.org/presentationml/2006/main">
+  <p:cSld>
+    <p:spTree>
+      <p:nvGrpSpPr>
+        <p:cNvPr id="1" name=""/>
+        <p:cNvGrpSpPr/>
+        <p:nvPr/>
+      </p:nvGrpSpPr>
+      <p:grpSpPr>
+        <a:xfrm>
+          <a:off x="0" y="0"/>
+          <a:ext cx="0" cy="0"/>
+          <a:chOff x="0" y="0"/>
+          <a:chExt cx="0" cy="0"/>
+        </a:xfrm>
+      </p:grpSpPr>
+      <p:sp>
+        <p:nvSpPr>
+          <p:cNvPr id="2" name="Slide Image Placeholder 1"/>
+          <p:cNvSpPr>
+            <a:spLocks noGrp="1" noRot="1" noChangeAspect="1"/>
+          </p:cNvSpPr>
+          <p:nvPr>
+            <p:ph type="sldImg"/>
+          </p:nvPr>
+        </p:nvSpPr>
+        <p:spPr/>
+      </p:sp>
+      <p:sp>
+        <p:nvSpPr>
+          <p:cNvPr id="3" name="Notes Placeholder 2"/>
+          <p:cNvSpPr>
+            <a:spLocks noGrp="1"/>
+          </p:cNvSpPr>
+          <p:nvPr>
+            <p:ph type="body" idx="1"/>
+          </p:nvPr>
+        </p:nvSpPr>
+        <p:spPr/>
+        <p:txBody>
+          <a:bodyPr/>
+          <a:lstStyle/>
+          <a:p>
+            <a:r>
+              <a:rPr lang="en-US" dirty="0"/>
+              <a:t>150x150=22,500</a:t>
+            </a:r>
+          </a:p>
+          <a:p>
+            <a:r>
+              <a:rPr lang="en-US" dirty="0"/>
+              <a:t>250x250x230 = 14,375,000</a:t>
+            </a:r>
+          </a:p>
+          <a:p>
+            <a:r>
+              <a:rPr lang="en-US" dirty="0" err="1"/>
+              <a:t>Tota</a:t>
+            </a:r>
+            <a:r>
+              <a:rPr lang="en-US" dirty="0"/>
+              <a:t> Summations = ~323 Billion</a:t>
+            </a:r>
+          </a:p>
+        </p:txBody>
+      </p:sp>
+      <p:sp>
+        <p:nvSpPr>
+          <p:cNvPr id="4" name="Slide Number Placeholder 3"/>
+          <p:cNvSpPr>
+            <a:spLocks noGrp="1"/>
+          </p:cNvSpPr>
+          <p:nvPr>
+            <p:ph type="sldNum" sz="quarter" idx="5"/>
+          </p:nvPr>
+        </p:nvSpPr>
+        <p:spPr/>
+        <p:txBody>
+          <a:bodyPr/>
+          <a:lstStyle/>
+          <a:p>
+            <a:fld id="{FD610F1B-C815-4D63-837F-DE9BF80525A3}" type="slidenum">
+              <a:rPr lang="en-US" smtClean="0"/>
+              <a:t>3</a:t>
+            </a:fld>
+            <a:endParaRPr lang="en-US"/>
+          </a:p>
+        </p:txBody>
+      </p:sp>
+    </p:spTree>
+    <p:extLst>
+      <p:ext uri="{BB962C8B-B14F-4D97-AF65-F5344CB8AC3E}">
+        <p14:creationId xmlns:p14="http://schemas.microsoft.com/office/powerpoint/2010/main" val="1294319559"/>
+      </p:ext>
+    </p:extLst>
+  </p:cSld>
+  <p:clrMapOvr>
+    <a:masterClrMapping/>
+  </p:clrMapOvr>
+</p:notes>
 </file>
 
 <file path=ppt/slideLayouts/slideLayout1.xml><?xml version="1.0" encoding="utf-8"?>
@@ -23149,7 +23252,7 @@
           <a:p>
             <a:r>
               <a:rPr lang="en-US" dirty="0"/>
-              <a:t>On the Possibility of NLOS Imaging Using Spatial Decomposition</a:t>
+              <a:t>On the Possibility of NLOS Reconstruction Using Spatial Decomposition</a:t>
             </a:r>
             <a:br>
               <a:rPr lang="en-US" dirty="0"/>
@@ -23766,8 +23869,12 @@
               <a:buChar char="•"/>
             </a:pPr>
             <a:r>
+              <a:rPr lang="en-US" dirty="0" err="1"/>
+              <a:t>Backproject</a:t>
+            </a:r>
+            <a:r>
               <a:rPr lang="en-US" dirty="0"/>
-              <a:t>Backpropagate to reconstruct</a:t>
+              <a:t> to reconstruct</a:t>
             </a:r>
           </a:p>
         </p:txBody>
@@ -24638,7 +24745,7 @@
             </a:pPr>
             <a:r>
               <a:rPr lang="en-US" dirty="0"/>
-              <a:t>Increasing Resolution…</a:t>
+              <a:t>Increasing Volume…</a:t>
             </a:r>
           </a:p>
           <a:p>
@@ -24648,7 +24755,7 @@
             </a:pPr>
             <a:r>
               <a:rPr lang="en-US" dirty="0"/>
-              <a:t>Increasing Volume…</a:t>
+              <a:t>Increasing Resolution…</a:t>
             </a:r>
           </a:p>
           <a:p>
@@ -24705,7 +24812,7 @@
             <p:nvPr/>
           </p:nvPicPr>
           <p:blipFill>
-            <a:blip r:embed="rId2"/>
+            <a:blip r:embed="rId3"/>
             <a:stretch>
               <a:fillRect/>
             </a:stretch>
@@ -24791,7 +24898,7 @@
             <p:nvPr/>
           </p:nvPicPr>
           <p:blipFill>
-            <a:blip r:embed="rId3">
+            <a:blip r:embed="rId4">
               <a:extLst>
                 <a:ext uri="{28A0092B-C50C-407E-A947-70E740481C1C}">
                   <a14:useLocalDpi xmlns:a14="http://schemas.microsoft.com/office/drawing/2010/main" val="0"/>
@@ -27486,7 +27593,15 @@
             </a:pPr>
             <a:r>
               <a:rPr lang="en-US" dirty="0"/>
-              <a:t>Implement Backpropagation Algorithm in Python with </a:t>
+              <a:t>Implement </a:t>
+            </a:r>
+            <a:r>
+              <a:rPr lang="en-US" dirty="0" err="1"/>
+              <a:t>Backprojection</a:t>
+            </a:r>
+            <a:r>
+              <a:rPr lang="en-US" dirty="0"/>
+              <a:t> Algorithm in Python with </a:t>
             </a:r>
             <a:r>
               <a:rPr lang="en-US" u="sng" dirty="0"/>
@@ -28670,30 +28785,21 @@
                             </p:childTnLst>
                           </p:cTn>
                         </p:par>
-                      </p:childTnLst>
-                    </p:cTn>
-                  </p:par>
-                  <p:par>
-                    <p:cTn id="28" fill="hold">
-                      <p:stCondLst>
-                        <p:cond delay="indefinite"/>
-                      </p:stCondLst>
-                      <p:childTnLst>
                         <p:par>
-                          <p:cTn id="29" fill="hold">
+                          <p:cTn id="28" fill="hold">
                             <p:stCondLst>
-                              <p:cond delay="0"/>
+                              <p:cond delay="500"/>
                             </p:stCondLst>
                             <p:childTnLst>
                               <p:par>
-                                <p:cTn id="30" presetID="10" presetClass="entr" presetSubtype="0" fill="hold" nodeType="clickEffect">
+                                <p:cTn id="29" presetID="10" presetClass="entr" presetSubtype="0" fill="hold" nodeType="afterEffect">
                                   <p:stCondLst>
                                     <p:cond delay="0"/>
                                   </p:stCondLst>
                                   <p:childTnLst>
                                     <p:set>
                                       <p:cBhvr>
-                                        <p:cTn id="31" dur="1" fill="hold">
+                                        <p:cTn id="30" dur="1" fill="hold">
                                           <p:stCondLst>
                                             <p:cond delay="0"/>
                                           </p:stCondLst>
@@ -28711,7 +28817,7 @@
                                     </p:set>
                                     <p:animEffect transition="in" filter="fade">
                                       <p:cBhvr>
-                                        <p:cTn id="32" dur="500"/>
+                                        <p:cTn id="31" dur="500"/>
                                         <p:tgtEl>
                                           <p:spTgt spid="53"/>
                                         </p:tgtEl>
@@ -28723,30 +28829,21 @@
                             </p:childTnLst>
                           </p:cTn>
                         </p:par>
-                      </p:childTnLst>
-                    </p:cTn>
-                  </p:par>
-                  <p:par>
-                    <p:cTn id="33" fill="hold">
-                      <p:stCondLst>
-                        <p:cond delay="indefinite"/>
-                      </p:stCondLst>
-                      <p:childTnLst>
                         <p:par>
-                          <p:cTn id="34" fill="hold">
+                          <p:cTn id="32" fill="hold">
                             <p:stCondLst>
-                              <p:cond delay="0"/>
+                              <p:cond delay="1000"/>
                             </p:stCondLst>
                             <p:childTnLst>
                               <p:par>
-                                <p:cTn id="35" presetID="10" presetClass="entr" presetSubtype="0" fill="hold" nodeType="clickEffect">
+                                <p:cTn id="33" presetID="10" presetClass="entr" presetSubtype="0" fill="hold" nodeType="afterEffect">
                                   <p:stCondLst>
                                     <p:cond delay="0"/>
                                   </p:stCondLst>
                                   <p:childTnLst>
                                     <p:set>
                                       <p:cBhvr>
-                                        <p:cTn id="36" dur="1" fill="hold">
+                                        <p:cTn id="34" dur="1" fill="hold">
                                           <p:stCondLst>
                                             <p:cond delay="0"/>
                                           </p:stCondLst>
@@ -28764,7 +28861,7 @@
                                     </p:set>
                                     <p:animEffect transition="in" filter="fade">
                                       <p:cBhvr>
-                                        <p:cTn id="37" dur="500"/>
+                                        <p:cTn id="35" dur="500"/>
                                         <p:tgtEl>
                                           <p:spTgt spid="54"/>
                                         </p:tgtEl>
@@ -28776,30 +28873,21 @@
                             </p:childTnLst>
                           </p:cTn>
                         </p:par>
-                      </p:childTnLst>
-                    </p:cTn>
-                  </p:par>
-                  <p:par>
-                    <p:cTn id="38" fill="hold">
-                      <p:stCondLst>
-                        <p:cond delay="indefinite"/>
-                      </p:stCondLst>
-                      <p:childTnLst>
                         <p:par>
-                          <p:cTn id="39" fill="hold">
+                          <p:cTn id="36" fill="hold">
                             <p:stCondLst>
-                              <p:cond delay="0"/>
+                              <p:cond delay="1500"/>
                             </p:stCondLst>
                             <p:childTnLst>
                               <p:par>
-                                <p:cTn id="40" presetID="10" presetClass="entr" presetSubtype="0" fill="hold" nodeType="clickEffect">
+                                <p:cTn id="37" presetID="10" presetClass="entr" presetSubtype="0" fill="hold" nodeType="afterEffect">
                                   <p:stCondLst>
                                     <p:cond delay="0"/>
                                   </p:stCondLst>
                                   <p:childTnLst>
                                     <p:set>
                                       <p:cBhvr>
-                                        <p:cTn id="41" dur="1" fill="hold">
+                                        <p:cTn id="38" dur="1" fill="hold">
                                           <p:stCondLst>
                                             <p:cond delay="0"/>
                                           </p:stCondLst>
@@ -28817,7 +28905,7 @@
                                     </p:set>
                                     <p:animEffect transition="in" filter="fade">
                                       <p:cBhvr>
-                                        <p:cTn id="42" dur="500"/>
+                                        <p:cTn id="39" dur="500"/>
                                         <p:tgtEl>
                                           <p:spTgt spid="55"/>
                                         </p:tgtEl>
@@ -28829,30 +28917,21 @@
                             </p:childTnLst>
                           </p:cTn>
                         </p:par>
-                      </p:childTnLst>
-                    </p:cTn>
-                  </p:par>
-                  <p:par>
-                    <p:cTn id="43" fill="hold">
-                      <p:stCondLst>
-                        <p:cond delay="indefinite"/>
-                      </p:stCondLst>
-                      <p:childTnLst>
                         <p:par>
-                          <p:cTn id="44" fill="hold">
+                          <p:cTn id="40" fill="hold">
                             <p:stCondLst>
-                              <p:cond delay="0"/>
+                              <p:cond delay="2000"/>
                             </p:stCondLst>
                             <p:childTnLst>
                               <p:par>
-                                <p:cTn id="45" presetID="10" presetClass="entr" presetSubtype="0" fill="hold" nodeType="clickEffect">
+                                <p:cTn id="41" presetID="10" presetClass="entr" presetSubtype="0" fill="hold" nodeType="afterEffect">
                                   <p:stCondLst>
                                     <p:cond delay="0"/>
                                   </p:stCondLst>
                                   <p:childTnLst>
                                     <p:set>
                                       <p:cBhvr>
-                                        <p:cTn id="46" dur="1" fill="hold">
+                                        <p:cTn id="42" dur="1" fill="hold">
                                           <p:stCondLst>
                                             <p:cond delay="0"/>
                                           </p:stCondLst>
@@ -28870,7 +28949,7 @@
                                     </p:set>
                                     <p:animEffect transition="in" filter="fade">
                                       <p:cBhvr>
-                                        <p:cTn id="47" dur="500"/>
+                                        <p:cTn id="43" dur="500"/>
                                         <p:tgtEl>
                                           <p:spTgt spid="56"/>
                                         </p:tgtEl>
@@ -29869,8 +29948,8 @@
         </p:nvSpPr>
         <p:spPr>
           <a:xfrm>
-            <a:off x="359508" y="3415337"/>
-            <a:ext cx="11445169" cy="499701"/>
+            <a:off x="359509" y="1714354"/>
+            <a:ext cx="11445169" cy="3106806"/>
           </a:xfrm>
           <a:prstGeom prst="rect">
             <a:avLst/>
@@ -29878,7 +29957,7 @@
         </p:spPr>
         <p:txBody>
           <a:bodyPr vert="horz" lIns="91440" tIns="45720" rIns="91440" bIns="45720" rtlCol="0">
-            <a:normAutofit lnSpcReduction="10000"/>
+            <a:normAutofit/>
           </a:bodyPr>
           <a:lstStyle>
             <a:lvl1pPr marL="228600" indent="-228600" algn="l" defTabSz="914400" rtl="0" eaLnBrk="1" latinLnBrk="0" hangingPunct="1">
@@ -30051,7 +30130,7 @@
             </a:pPr>
             <a:r>
               <a:rPr lang="en-US" sz="3200" dirty="0"/>
-              <a:t>[ Demo ]</a:t>
+              <a:t>[ Live Demo ]</a:t>
             </a:r>
           </a:p>
           <a:p>
@@ -30059,10 +30138,70 @@
               <a:buFont typeface="Arial" panose="020B0604020202020204" pitchFamily="34" charset="0"/>
               <a:buNone/>
             </a:pPr>
+            <a:endParaRPr lang="en-US" sz="3200" dirty="0"/>
+          </a:p>
+          <a:p>
+            <a:pPr marL="457200" lvl="1" indent="0" algn="ctr">
+              <a:buFont typeface="Arial" panose="020B0604020202020204" pitchFamily="34" charset="0"/>
+              <a:buNone/>
+            </a:pPr>
+            <a:r>
+              <a:rPr lang="en-US" dirty="0"/>
+              <a:t>Full Code Available At:</a:t>
+            </a:r>
+          </a:p>
+          <a:p>
+            <a:pPr marL="457200" lvl="1" indent="0" algn="ctr">
+              <a:buFont typeface="Arial" panose="020B0604020202020204" pitchFamily="34" charset="0"/>
+              <a:buNone/>
+            </a:pPr>
+            <a:r>
+              <a:rPr lang="en-US" dirty="0">
+                <a:hlinkClick r:id="rId2"/>
+              </a:rPr>
+              <a:t>https://github.com/elbrandt/ECE901_Project</a:t>
+            </a:r>
             <a:endParaRPr lang="en-US" dirty="0"/>
           </a:p>
-        </p:txBody>
-      </p:sp>
+          <a:p>
+            <a:pPr marL="457200" lvl="1" indent="0" algn="ctr">
+              <a:buFont typeface="Arial" panose="020B0604020202020204" pitchFamily="34" charset="0"/>
+              <a:buNone/>
+            </a:pPr>
+            <a:endParaRPr lang="en-US" dirty="0"/>
+          </a:p>
+        </p:txBody>
+      </p:sp>
+      <p:pic>
+        <p:nvPicPr>
+          <p:cNvPr id="6" name="Picture 5">
+            <a:extLst>
+              <a:ext uri="{FF2B5EF4-FFF2-40B4-BE49-F238E27FC236}">
+                <a16:creationId xmlns:a16="http://schemas.microsoft.com/office/drawing/2014/main" id="{329AD329-BDBF-4565-9C73-03677382E1A2}"/>
+              </a:ext>
+            </a:extLst>
+          </p:cNvPr>
+          <p:cNvPicPr>
+            <a:picLocks noChangeAspect="1"/>
+          </p:cNvPicPr>
+          <p:nvPr/>
+        </p:nvPicPr>
+        <p:blipFill>
+          <a:blip r:embed="rId3"/>
+          <a:stretch>
+            <a:fillRect/>
+          </a:stretch>
+        </p:blipFill>
+        <p:spPr>
+          <a:xfrm>
+            <a:off x="4343363" y="3516624"/>
+            <a:ext cx="3994914" cy="2770950"/>
+          </a:xfrm>
+          <a:prstGeom prst="rect">
+            <a:avLst/>
+          </a:prstGeom>
+        </p:spPr>
+      </p:pic>
     </p:spTree>
     <p:extLst>
       <p:ext uri="{BB962C8B-B14F-4D97-AF65-F5344CB8AC3E}">
@@ -30246,6 +30385,341 @@
   <p:clrMapOvr>
     <a:masterClrMapping/>
   </p:clrMapOvr>
+  <p:timing>
+    <p:tnLst>
+      <p:par>
+        <p:cTn id="1" dur="indefinite" restart="never" nodeType="tmRoot">
+          <p:childTnLst>
+            <p:seq concurrent="1" nextAc="seek">
+              <p:cTn id="2" dur="indefinite" nodeType="mainSeq">
+                <p:childTnLst>
+                  <p:par>
+                    <p:cTn id="3" fill="hold">
+                      <p:stCondLst>
+                        <p:cond delay="indefinite"/>
+                      </p:stCondLst>
+                      <p:childTnLst>
+                        <p:par>
+                          <p:cTn id="4" fill="hold">
+                            <p:stCondLst>
+                              <p:cond delay="0"/>
+                            </p:stCondLst>
+                            <p:childTnLst>
+                              <p:par>
+                                <p:cTn id="5" presetID="10" presetClass="entr" presetSubtype="0" fill="hold" nodeType="clickEffect">
+                                  <p:stCondLst>
+                                    <p:cond delay="0"/>
+                                  </p:stCondLst>
+                                  <p:childTnLst>
+                                    <p:set>
+                                      <p:cBhvr>
+                                        <p:cTn id="6" dur="1" fill="hold">
+                                          <p:stCondLst>
+                                            <p:cond delay="0"/>
+                                          </p:stCondLst>
+                                        </p:cTn>
+                                        <p:tgtEl>
+                                          <p:spTgt spid="3">
+                                            <p:txEl>
+                                              <p:pRg st="0" end="0"/>
+                                            </p:txEl>
+                                          </p:spTgt>
+                                        </p:tgtEl>
+                                        <p:attrNameLst>
+                                          <p:attrName>style.visibility</p:attrName>
+                                        </p:attrNameLst>
+                                      </p:cBhvr>
+                                      <p:to>
+                                        <p:strVal val="visible"/>
+                                      </p:to>
+                                    </p:set>
+                                    <p:animEffect transition="in" filter="fade">
+                                      <p:cBhvr>
+                                        <p:cTn id="7" dur="500"/>
+                                        <p:tgtEl>
+                                          <p:spTgt spid="3">
+                                            <p:txEl>
+                                              <p:pRg st="0" end="0"/>
+                                            </p:txEl>
+                                          </p:spTgt>
+                                        </p:tgtEl>
+                                      </p:cBhvr>
+                                    </p:animEffect>
+                                  </p:childTnLst>
+                                </p:cTn>
+                              </p:par>
+                            </p:childTnLst>
+                          </p:cTn>
+                        </p:par>
+                      </p:childTnLst>
+                    </p:cTn>
+                  </p:par>
+                  <p:par>
+                    <p:cTn id="8" fill="hold">
+                      <p:stCondLst>
+                        <p:cond delay="indefinite"/>
+                      </p:stCondLst>
+                      <p:childTnLst>
+                        <p:par>
+                          <p:cTn id="9" fill="hold">
+                            <p:stCondLst>
+                              <p:cond delay="0"/>
+                            </p:stCondLst>
+                            <p:childTnLst>
+                              <p:par>
+                                <p:cTn id="10" presetID="10" presetClass="entr" presetSubtype="0" fill="hold" nodeType="clickEffect">
+                                  <p:stCondLst>
+                                    <p:cond delay="0"/>
+                                  </p:stCondLst>
+                                  <p:childTnLst>
+                                    <p:set>
+                                      <p:cBhvr>
+                                        <p:cTn id="11" dur="1" fill="hold">
+                                          <p:stCondLst>
+                                            <p:cond delay="0"/>
+                                          </p:stCondLst>
+                                        </p:cTn>
+                                        <p:tgtEl>
+                                          <p:spTgt spid="3">
+                                            <p:txEl>
+                                              <p:pRg st="1" end="1"/>
+                                            </p:txEl>
+                                          </p:spTgt>
+                                        </p:tgtEl>
+                                        <p:attrNameLst>
+                                          <p:attrName>style.visibility</p:attrName>
+                                        </p:attrNameLst>
+                                      </p:cBhvr>
+                                      <p:to>
+                                        <p:strVal val="visible"/>
+                                      </p:to>
+                                    </p:set>
+                                    <p:animEffect transition="in" filter="fade">
+                                      <p:cBhvr>
+                                        <p:cTn id="12" dur="500"/>
+                                        <p:tgtEl>
+                                          <p:spTgt spid="3">
+                                            <p:txEl>
+                                              <p:pRg st="1" end="1"/>
+                                            </p:txEl>
+                                          </p:spTgt>
+                                        </p:tgtEl>
+                                      </p:cBhvr>
+                                    </p:animEffect>
+                                  </p:childTnLst>
+                                </p:cTn>
+                              </p:par>
+                            </p:childTnLst>
+                          </p:cTn>
+                        </p:par>
+                      </p:childTnLst>
+                    </p:cTn>
+                  </p:par>
+                  <p:par>
+                    <p:cTn id="13" fill="hold">
+                      <p:stCondLst>
+                        <p:cond delay="indefinite"/>
+                      </p:stCondLst>
+                      <p:childTnLst>
+                        <p:par>
+                          <p:cTn id="14" fill="hold">
+                            <p:stCondLst>
+                              <p:cond delay="0"/>
+                            </p:stCondLst>
+                            <p:childTnLst>
+                              <p:par>
+                                <p:cTn id="15" presetID="10" presetClass="entr" presetSubtype="0" fill="hold" nodeType="clickEffect">
+                                  <p:stCondLst>
+                                    <p:cond delay="0"/>
+                                  </p:stCondLst>
+                                  <p:childTnLst>
+                                    <p:set>
+                                      <p:cBhvr>
+                                        <p:cTn id="16" dur="1" fill="hold">
+                                          <p:stCondLst>
+                                            <p:cond delay="0"/>
+                                          </p:stCondLst>
+                                        </p:cTn>
+                                        <p:tgtEl>
+                                          <p:spTgt spid="3">
+                                            <p:txEl>
+                                              <p:pRg st="2" end="2"/>
+                                            </p:txEl>
+                                          </p:spTgt>
+                                        </p:tgtEl>
+                                        <p:attrNameLst>
+                                          <p:attrName>style.visibility</p:attrName>
+                                        </p:attrNameLst>
+                                      </p:cBhvr>
+                                      <p:to>
+                                        <p:strVal val="visible"/>
+                                      </p:to>
+                                    </p:set>
+                                    <p:animEffect transition="in" filter="fade">
+                                      <p:cBhvr>
+                                        <p:cTn id="17" dur="500"/>
+                                        <p:tgtEl>
+                                          <p:spTgt spid="3">
+                                            <p:txEl>
+                                              <p:pRg st="2" end="2"/>
+                                            </p:txEl>
+                                          </p:spTgt>
+                                        </p:tgtEl>
+                                      </p:cBhvr>
+                                    </p:animEffect>
+                                  </p:childTnLst>
+                                </p:cTn>
+                              </p:par>
+                            </p:childTnLst>
+                          </p:cTn>
+                        </p:par>
+                      </p:childTnLst>
+                    </p:cTn>
+                  </p:par>
+                  <p:par>
+                    <p:cTn id="18" fill="hold">
+                      <p:stCondLst>
+                        <p:cond delay="indefinite"/>
+                      </p:stCondLst>
+                      <p:childTnLst>
+                        <p:par>
+                          <p:cTn id="19" fill="hold">
+                            <p:stCondLst>
+                              <p:cond delay="0"/>
+                            </p:stCondLst>
+                            <p:childTnLst>
+                              <p:par>
+                                <p:cTn id="20" presetID="10" presetClass="entr" presetSubtype="0" fill="hold" nodeType="clickEffect">
+                                  <p:stCondLst>
+                                    <p:cond delay="0"/>
+                                  </p:stCondLst>
+                                  <p:childTnLst>
+                                    <p:set>
+                                      <p:cBhvr>
+                                        <p:cTn id="21" dur="1" fill="hold">
+                                          <p:stCondLst>
+                                            <p:cond delay="0"/>
+                                          </p:stCondLst>
+                                        </p:cTn>
+                                        <p:tgtEl>
+                                          <p:spTgt spid="3">
+                                            <p:txEl>
+                                              <p:pRg st="3" end="3"/>
+                                            </p:txEl>
+                                          </p:spTgt>
+                                        </p:tgtEl>
+                                        <p:attrNameLst>
+                                          <p:attrName>style.visibility</p:attrName>
+                                        </p:attrNameLst>
+                                      </p:cBhvr>
+                                      <p:to>
+                                        <p:strVal val="visible"/>
+                                      </p:to>
+                                    </p:set>
+                                    <p:animEffect transition="in" filter="fade">
+                                      <p:cBhvr>
+                                        <p:cTn id="22" dur="500"/>
+                                        <p:tgtEl>
+                                          <p:spTgt spid="3">
+                                            <p:txEl>
+                                              <p:pRg st="3" end="3"/>
+                                            </p:txEl>
+                                          </p:spTgt>
+                                        </p:tgtEl>
+                                      </p:cBhvr>
+                                    </p:animEffect>
+                                  </p:childTnLst>
+                                </p:cTn>
+                              </p:par>
+                            </p:childTnLst>
+                          </p:cTn>
+                        </p:par>
+                      </p:childTnLst>
+                    </p:cTn>
+                  </p:par>
+                  <p:par>
+                    <p:cTn id="23" fill="hold">
+                      <p:stCondLst>
+                        <p:cond delay="indefinite"/>
+                      </p:stCondLst>
+                      <p:childTnLst>
+                        <p:par>
+                          <p:cTn id="24" fill="hold">
+                            <p:stCondLst>
+                              <p:cond delay="0"/>
+                            </p:stCondLst>
+                            <p:childTnLst>
+                              <p:par>
+                                <p:cTn id="25" presetID="10" presetClass="entr" presetSubtype="0" fill="hold" nodeType="clickEffect">
+                                  <p:stCondLst>
+                                    <p:cond delay="0"/>
+                                  </p:stCondLst>
+                                  <p:childTnLst>
+                                    <p:set>
+                                      <p:cBhvr>
+                                        <p:cTn id="26" dur="1" fill="hold">
+                                          <p:stCondLst>
+                                            <p:cond delay="0"/>
+                                          </p:stCondLst>
+                                        </p:cTn>
+                                        <p:tgtEl>
+                                          <p:spTgt spid="3">
+                                            <p:txEl>
+                                              <p:pRg st="4" end="4"/>
+                                            </p:txEl>
+                                          </p:spTgt>
+                                        </p:tgtEl>
+                                        <p:attrNameLst>
+                                          <p:attrName>style.visibility</p:attrName>
+                                        </p:attrNameLst>
+                                      </p:cBhvr>
+                                      <p:to>
+                                        <p:strVal val="visible"/>
+                                      </p:to>
+                                    </p:set>
+                                    <p:animEffect transition="in" filter="fade">
+                                      <p:cBhvr>
+                                        <p:cTn id="27" dur="500"/>
+                                        <p:tgtEl>
+                                          <p:spTgt spid="3">
+                                            <p:txEl>
+                                              <p:pRg st="4" end="4"/>
+                                            </p:txEl>
+                                          </p:spTgt>
+                                        </p:tgtEl>
+                                      </p:cBhvr>
+                                    </p:animEffect>
+                                  </p:childTnLst>
+                                </p:cTn>
+                              </p:par>
+                            </p:childTnLst>
+                          </p:cTn>
+                        </p:par>
+                      </p:childTnLst>
+                    </p:cTn>
+                  </p:par>
+                </p:childTnLst>
+              </p:cTn>
+              <p:prevCondLst>
+                <p:cond evt="onPrev" delay="0">
+                  <p:tgtEl>
+                    <p:sldTgt/>
+                  </p:tgtEl>
+                </p:cond>
+              </p:prevCondLst>
+              <p:nextCondLst>
+                <p:cond evt="onNext" delay="0">
+                  <p:tgtEl>
+                    <p:sldTgt/>
+                  </p:tgtEl>
+                </p:cond>
+              </p:nextCondLst>
+            </p:seq>
+          </p:childTnLst>
+        </p:cTn>
+      </p:par>
+    </p:tnLst>
+  </p:timing>
 </p:sld>
 </file>
 
